--- a/doc/Метод распределения вычислений.pptx
+++ b/doc/Метод распределения вычислений.pptx
@@ -109,6 +109,11 @@
       </a:defRPr>
     </a:lvl9pPr>
   </p:defaultTextStyle>
+  <p:extLst>
+    <p:ext uri="{EFAFB233-063F-42B5-8137-9DF3F51BA10A}">
+      <p15:sldGuideLst xmlns:p15="http://schemas.microsoft.com/office/powerpoint/2012/main"/>
+    </p:ext>
+  </p:extLst>
 </p:presentation>
 </file>
 
@@ -259,7 +264,7 @@
           <a:p>
             <a:fld id="{4BA941E6-B9DE-4CB2-9A93-4605C056FF6C}" type="datetimeFigureOut">
               <a:rPr lang="ru-RU" smtClean="0"/>
-              <a:t>16.01.2024</a:t>
+              <a:t>20.02.2024</a:t>
             </a:fld>
             <a:endParaRPr lang="ru-RU"/>
           </a:p>
@@ -457,7 +462,7 @@
           <a:p>
             <a:fld id="{4BA941E6-B9DE-4CB2-9A93-4605C056FF6C}" type="datetimeFigureOut">
               <a:rPr lang="ru-RU" smtClean="0"/>
-              <a:t>16.01.2024</a:t>
+              <a:t>20.02.2024</a:t>
             </a:fld>
             <a:endParaRPr lang="ru-RU"/>
           </a:p>
@@ -665,7 +670,7 @@
           <a:p>
             <a:fld id="{4BA941E6-B9DE-4CB2-9A93-4605C056FF6C}" type="datetimeFigureOut">
               <a:rPr lang="ru-RU" smtClean="0"/>
-              <a:t>16.01.2024</a:t>
+              <a:t>20.02.2024</a:t>
             </a:fld>
             <a:endParaRPr lang="ru-RU"/>
           </a:p>
@@ -863,7 +868,7 @@
           <a:p>
             <a:fld id="{4BA941E6-B9DE-4CB2-9A93-4605C056FF6C}" type="datetimeFigureOut">
               <a:rPr lang="ru-RU" smtClean="0"/>
-              <a:t>16.01.2024</a:t>
+              <a:t>20.02.2024</a:t>
             </a:fld>
             <a:endParaRPr lang="ru-RU"/>
           </a:p>
@@ -1138,7 +1143,7 @@
           <a:p>
             <a:fld id="{4BA941E6-B9DE-4CB2-9A93-4605C056FF6C}" type="datetimeFigureOut">
               <a:rPr lang="ru-RU" smtClean="0"/>
-              <a:t>16.01.2024</a:t>
+              <a:t>20.02.2024</a:t>
             </a:fld>
             <a:endParaRPr lang="ru-RU"/>
           </a:p>
@@ -1403,7 +1408,7 @@
           <a:p>
             <a:fld id="{4BA941E6-B9DE-4CB2-9A93-4605C056FF6C}" type="datetimeFigureOut">
               <a:rPr lang="ru-RU" smtClean="0"/>
-              <a:t>16.01.2024</a:t>
+              <a:t>20.02.2024</a:t>
             </a:fld>
             <a:endParaRPr lang="ru-RU"/>
           </a:p>
@@ -1815,7 +1820,7 @@
           <a:p>
             <a:fld id="{4BA941E6-B9DE-4CB2-9A93-4605C056FF6C}" type="datetimeFigureOut">
               <a:rPr lang="ru-RU" smtClean="0"/>
-              <a:t>16.01.2024</a:t>
+              <a:t>20.02.2024</a:t>
             </a:fld>
             <a:endParaRPr lang="ru-RU"/>
           </a:p>
@@ -1956,7 +1961,7 @@
           <a:p>
             <a:fld id="{4BA941E6-B9DE-4CB2-9A93-4605C056FF6C}" type="datetimeFigureOut">
               <a:rPr lang="ru-RU" smtClean="0"/>
-              <a:t>16.01.2024</a:t>
+              <a:t>20.02.2024</a:t>
             </a:fld>
             <a:endParaRPr lang="ru-RU"/>
           </a:p>
@@ -2069,7 +2074,7 @@
           <a:p>
             <a:fld id="{4BA941E6-B9DE-4CB2-9A93-4605C056FF6C}" type="datetimeFigureOut">
               <a:rPr lang="ru-RU" smtClean="0"/>
-              <a:t>16.01.2024</a:t>
+              <a:t>20.02.2024</a:t>
             </a:fld>
             <a:endParaRPr lang="ru-RU"/>
           </a:p>
@@ -2380,7 +2385,7 @@
           <a:p>
             <a:fld id="{4BA941E6-B9DE-4CB2-9A93-4605C056FF6C}" type="datetimeFigureOut">
               <a:rPr lang="ru-RU" smtClean="0"/>
-              <a:t>16.01.2024</a:t>
+              <a:t>20.02.2024</a:t>
             </a:fld>
             <a:endParaRPr lang="ru-RU"/>
           </a:p>
@@ -2668,7 +2673,7 @@
           <a:p>
             <a:fld id="{4BA941E6-B9DE-4CB2-9A93-4605C056FF6C}" type="datetimeFigureOut">
               <a:rPr lang="ru-RU" smtClean="0"/>
-              <a:t>16.01.2024</a:t>
+              <a:t>20.02.2024</a:t>
             </a:fld>
             <a:endParaRPr lang="ru-RU"/>
           </a:p>
@@ -2909,7 +2914,7 @@
           <a:p>
             <a:fld id="{4BA941E6-B9DE-4CB2-9A93-4605C056FF6C}" type="datetimeFigureOut">
               <a:rPr lang="ru-RU" smtClean="0"/>
-              <a:t>16.01.2024</a:t>
+              <a:t>20.02.2024</a:t>
             </a:fld>
             <a:endParaRPr lang="ru-RU"/>
           </a:p>
@@ -3344,7 +3349,7 @@
         </p:nvSpPr>
         <p:spPr>
           <a:xfrm>
-            <a:off x="460513" y="2756453"/>
+            <a:off x="460513" y="2235200"/>
             <a:ext cx="9144000" cy="2387600"/>
           </a:xfrm>
         </p:spPr>
@@ -3365,40 +3370,219 @@
       </p:sp>
       <p:sp>
         <p:nvSpPr>
-          <p:cNvPr id="3" name="Подзаголовок 2">
-            <a:extLst>
-              <a:ext uri="{FF2B5EF4-FFF2-40B4-BE49-F238E27FC236}">
-                <a16:creationId xmlns:a16="http://schemas.microsoft.com/office/drawing/2014/main" id="{A5DB327B-6C83-4B47-20EE-C1AEB626179D}"/>
-              </a:ext>
-            </a:extLst>
-          </p:cNvPr>
-          <p:cNvSpPr>
-            <a:spLocks noGrp="1"/>
-          </p:cNvSpPr>
-          <p:nvPr>
-            <p:ph type="subTitle" idx="1"/>
-          </p:nvPr>
+          <p:cNvPr id="5" name="TextBox 4">
+            <a:extLst>
+              <a:ext uri="{FF2B5EF4-FFF2-40B4-BE49-F238E27FC236}">
+                <a16:creationId xmlns:a16="http://schemas.microsoft.com/office/drawing/2014/main" id="{53600676-0373-7846-7473-725AF8AA8BDC}"/>
+              </a:ext>
+            </a:extLst>
+          </p:cNvPr>
+          <p:cNvSpPr txBox="1"/>
+          <p:nvPr/>
         </p:nvSpPr>
         <p:spPr>
           <a:xfrm>
-            <a:off x="460513" y="5144053"/>
-            <a:ext cx="3296478" cy="421860"/>
+            <a:off x="2412124" y="328952"/>
+            <a:ext cx="7367752" cy="1384995"/>
           </a:xfrm>
+          <a:prstGeom prst="rect">
+            <a:avLst/>
+          </a:prstGeom>
+          <a:noFill/>
         </p:spPr>
         <p:txBody>
-          <a:bodyPr>
-            <a:normAutofit/>
+          <a:bodyPr wrap="square">
+            <a:spAutoFit/>
           </a:bodyPr>
           <a:lstStyle/>
           <a:p>
-            <a:pPr algn="l"/>
-            <a:r>
-              <a:rPr lang="ru-RU" sz="1400" dirty="0">
+            <a:pPr algn="ctr" rtl="0">
+              <a:spcBef>
+                <a:spcPts val="0"/>
+              </a:spcBef>
+              <a:spcAft>
+                <a:spcPts val="0"/>
+              </a:spcAft>
+            </a:pPr>
+            <a:r>
+              <a:rPr lang="ru-RU" sz="2400" b="0" i="0" u="none" strike="noStrike" dirty="0">
+                <a:solidFill>
+                  <a:srgbClr val="000000"/>
+                </a:solidFill>
+                <a:effectLst/>
                 <a:latin typeface="Times New Roman" panose="02020603050405020304" pitchFamily="18" charset="0"/>
-                <a:cs typeface="Times New Roman" panose="02020603050405020304" pitchFamily="18" charset="0"/>
               </a:rPr>
-              <a:t>Воронов Никита Рустамович 11 «А»</a:t>
-            </a:r>
+              <a:t>Государственное бюджетное общеобразовательное учреждение города Москвы «Школа № 1532»</a:t>
+            </a:r>
+            <a:endParaRPr lang="ru-RU" sz="2400" b="0" dirty="0">
+              <a:effectLst/>
+            </a:endParaRPr>
+          </a:p>
+          <a:p>
+            <a:br>
+              <a:rPr lang="ru-RU" dirty="0"/>
+            </a:br>
+            <a:endParaRPr lang="ru-RU" dirty="0"/>
+          </a:p>
+        </p:txBody>
+      </p:sp>
+      <p:sp>
+        <p:nvSpPr>
+          <p:cNvPr id="9" name="TextBox 8">
+            <a:extLst>
+              <a:ext uri="{FF2B5EF4-FFF2-40B4-BE49-F238E27FC236}">
+                <a16:creationId xmlns:a16="http://schemas.microsoft.com/office/drawing/2014/main" id="{7BBBF037-ABF4-EC43-4101-3033E637CD85}"/>
+              </a:ext>
+            </a:extLst>
+          </p:cNvPr>
+          <p:cNvSpPr txBox="1"/>
+          <p:nvPr/>
+        </p:nvSpPr>
+        <p:spPr>
+          <a:xfrm>
+            <a:off x="4813738" y="4622800"/>
+            <a:ext cx="7378262" cy="2585323"/>
+          </a:xfrm>
+          <a:prstGeom prst="rect">
+            <a:avLst/>
+          </a:prstGeom>
+          <a:noFill/>
+        </p:spPr>
+        <p:txBody>
+          <a:bodyPr wrap="square">
+            <a:spAutoFit/>
+          </a:bodyPr>
+          <a:lstStyle/>
+          <a:p>
+            <a:pPr marL="3509988" rtl="0">
+              <a:spcBef>
+                <a:spcPts val="0"/>
+              </a:spcBef>
+              <a:spcAft>
+                <a:spcPts val="0"/>
+              </a:spcAft>
+            </a:pPr>
+            <a:r>
+              <a:rPr lang="ru-RU" sz="1800" b="0" i="0" u="none" strike="noStrike" dirty="0">
+                <a:solidFill>
+                  <a:srgbClr val="000000"/>
+                </a:solidFill>
+                <a:effectLst/>
+                <a:latin typeface="Times New Roman" panose="02020603050405020304" pitchFamily="18" charset="0"/>
+              </a:rPr>
+              <a:t>11 класс, ГБОУ школа № 1532,</a:t>
+            </a:r>
+            <a:endParaRPr lang="ru-RU" b="0" dirty="0">
+              <a:effectLst/>
+            </a:endParaRPr>
+          </a:p>
+          <a:p>
+            <a:pPr marL="3509988" rtl="0">
+              <a:spcBef>
+                <a:spcPts val="0"/>
+              </a:spcBef>
+              <a:spcAft>
+                <a:spcPts val="0"/>
+              </a:spcAft>
+            </a:pPr>
+            <a:r>
+              <a:rPr lang="ru-RU" sz="1800" b="0" i="0" u="none" strike="noStrike" dirty="0">
+                <a:solidFill>
+                  <a:srgbClr val="000000"/>
+                </a:solidFill>
+                <a:effectLst/>
+                <a:latin typeface="Times New Roman" panose="02020603050405020304" pitchFamily="18" charset="0"/>
+              </a:rPr>
+              <a:t>Воронов Никита Рустамович</a:t>
+            </a:r>
+          </a:p>
+          <a:p>
+            <a:pPr marL="3509988" rtl="0">
+              <a:spcBef>
+                <a:spcPts val="0"/>
+              </a:spcBef>
+              <a:spcAft>
+                <a:spcPts val="0"/>
+              </a:spcAft>
+            </a:pPr>
+            <a:endParaRPr lang="ru-RU" b="0" dirty="0">
+              <a:effectLst/>
+            </a:endParaRPr>
+          </a:p>
+          <a:p>
+            <a:pPr marL="3509988" rtl="0">
+              <a:spcBef>
+                <a:spcPts val="0"/>
+              </a:spcBef>
+              <a:spcAft>
+                <a:spcPts val="0"/>
+              </a:spcAft>
+            </a:pPr>
+            <a:r>
+              <a:rPr lang="ru-RU" sz="1800" b="0" i="0" u="none" strike="noStrike" dirty="0">
+                <a:solidFill>
+                  <a:srgbClr val="000000"/>
+                </a:solidFill>
+                <a:effectLst/>
+                <a:latin typeface="Times New Roman" panose="02020603050405020304" pitchFamily="18" charset="0"/>
+              </a:rPr>
+              <a:t>Руководитель: </a:t>
+            </a:r>
+            <a:endParaRPr lang="ru-RU" b="0" dirty="0">
+              <a:effectLst/>
+            </a:endParaRPr>
+          </a:p>
+          <a:p>
+            <a:pPr marL="3509988" rtl="0">
+              <a:spcBef>
+                <a:spcPts val="0"/>
+              </a:spcBef>
+              <a:spcAft>
+                <a:spcPts val="0"/>
+              </a:spcAft>
+            </a:pPr>
+            <a:r>
+              <a:rPr lang="ru-RU" sz="1800" b="0" i="0" u="none" strike="noStrike" dirty="0">
+                <a:solidFill>
+                  <a:srgbClr val="000000"/>
+                </a:solidFill>
+                <a:effectLst/>
+                <a:latin typeface="Times New Roman" panose="02020603050405020304" pitchFamily="18" charset="0"/>
+              </a:rPr>
+              <a:t>учитель информатики, ГБОУ школа №1532,</a:t>
+            </a:r>
+            <a:endParaRPr lang="ru-RU" b="0" dirty="0">
+              <a:effectLst/>
+            </a:endParaRPr>
+          </a:p>
+          <a:p>
+            <a:pPr marL="3509988" rtl="0">
+              <a:spcBef>
+                <a:spcPts val="0"/>
+              </a:spcBef>
+              <a:spcAft>
+                <a:spcPts val="0"/>
+              </a:spcAft>
+            </a:pPr>
+            <a:r>
+              <a:rPr lang="ru-RU" sz="1800" b="0" i="0" u="none" strike="noStrike" dirty="0">
+                <a:solidFill>
+                  <a:srgbClr val="000000"/>
+                </a:solidFill>
+                <a:effectLst/>
+                <a:latin typeface="Times New Roman" panose="02020603050405020304" pitchFamily="18" charset="0"/>
+              </a:rPr>
+              <a:t>Сергиенко Антон Борисович</a:t>
+            </a:r>
+            <a:endParaRPr lang="ru-RU" b="0" dirty="0">
+              <a:effectLst/>
+            </a:endParaRPr>
+          </a:p>
+          <a:p>
+            <a:br>
+              <a:rPr lang="ru-RU" dirty="0"/>
+            </a:br>
+            <a:endParaRPr lang="ru-RU" dirty="0"/>
           </a:p>
         </p:txBody>
       </p:sp>
